--- a/제출자료/발표자료/발표 자료_9주차_12조_조성욱.pptx
+++ b/제출자료/발표자료/발표 자료_9주차_12조_조성욱.pptx
@@ -108,6 +108,22 @@
       </a:defRPr>
     </a:lvl9pPr>
   </p:defaultTextStyle>
+  <p:extLst>
+    <p:ext uri="{EFAFB233-063F-42B5-8137-9DF3F51BA10A}">
+      <p15:sldGuideLst xmlns:p15="http://schemas.microsoft.com/office/powerpoint/2012/main">
+        <p15:guide id="1" orient="horz" pos="2160">
+          <p15:clr>
+            <a:srgbClr val="A4A3A4"/>
+          </p15:clr>
+        </p15:guide>
+        <p15:guide id="2" pos="3840">
+          <p15:clr>
+            <a:srgbClr val="A4A3A4"/>
+          </p15:clr>
+        </p15:guide>
+      </p15:sldGuideLst>
+    </p:ext>
+  </p:extLst>
 </p:presentation>
 </file>
 
@@ -133,7 +149,7 @@
           <p:cNvPr id="2" name="제목 1">
             <a:extLst>
               <a:ext uri="{FF2B5EF4-FFF2-40B4-BE49-F238E27FC236}">
-                <a16:creationId xmlns:a16="http://schemas.microsoft.com/office/drawing/2014/main" xmlns="" id="{C8112038-EBAB-4AAC-B6DD-E69B8310C72C}"/>
+                <a16:creationId xmlns:a16="http://schemas.microsoft.com/office/drawing/2014/main" id="{C8112038-EBAB-4AAC-B6DD-E69B8310C72C}"/>
               </a:ext>
             </a:extLst>
           </p:cNvPr>
@@ -170,7 +186,7 @@
           <p:cNvPr id="3" name="부제목 2">
             <a:extLst>
               <a:ext uri="{FF2B5EF4-FFF2-40B4-BE49-F238E27FC236}">
-                <a16:creationId xmlns:a16="http://schemas.microsoft.com/office/drawing/2014/main" xmlns="" id="{3E61E3FF-C82A-4C05-9754-0B519342CBC7}"/>
+                <a16:creationId xmlns:a16="http://schemas.microsoft.com/office/drawing/2014/main" id="{3E61E3FF-C82A-4C05-9754-0B519342CBC7}"/>
               </a:ext>
             </a:extLst>
           </p:cNvPr>
@@ -240,7 +256,7 @@
           <p:cNvPr id="4" name="날짜 개체 틀 3">
             <a:extLst>
               <a:ext uri="{FF2B5EF4-FFF2-40B4-BE49-F238E27FC236}">
-                <a16:creationId xmlns:a16="http://schemas.microsoft.com/office/drawing/2014/main" xmlns="" id="{D6953210-6BFB-4347-84F8-06FD139E6343}"/>
+                <a16:creationId xmlns:a16="http://schemas.microsoft.com/office/drawing/2014/main" id="{D6953210-6BFB-4347-84F8-06FD139E6343}"/>
               </a:ext>
             </a:extLst>
           </p:cNvPr>
@@ -269,7 +285,7 @@
           <p:cNvPr id="5" name="바닥글 개체 틀 4">
             <a:extLst>
               <a:ext uri="{FF2B5EF4-FFF2-40B4-BE49-F238E27FC236}">
-                <a16:creationId xmlns:a16="http://schemas.microsoft.com/office/drawing/2014/main" xmlns="" id="{8DD48FF3-75CE-410C-B22B-5E361CCC7AC4}"/>
+                <a16:creationId xmlns:a16="http://schemas.microsoft.com/office/drawing/2014/main" id="{8DD48FF3-75CE-410C-B22B-5E361CCC7AC4}"/>
               </a:ext>
             </a:extLst>
           </p:cNvPr>
@@ -294,7 +310,7 @@
           <p:cNvPr id="6" name="슬라이드 번호 개체 틀 5">
             <a:extLst>
               <a:ext uri="{FF2B5EF4-FFF2-40B4-BE49-F238E27FC236}">
-                <a16:creationId xmlns:a16="http://schemas.microsoft.com/office/drawing/2014/main" xmlns="" id="{05FD4C8D-6846-405C-BCDD-F435164A9C0D}"/>
+                <a16:creationId xmlns:a16="http://schemas.microsoft.com/office/drawing/2014/main" id="{05FD4C8D-6846-405C-BCDD-F435164A9C0D}"/>
               </a:ext>
             </a:extLst>
           </p:cNvPr>
@@ -353,7 +369,7 @@
           <p:cNvPr id="2" name="제목 1">
             <a:extLst>
               <a:ext uri="{FF2B5EF4-FFF2-40B4-BE49-F238E27FC236}">
-                <a16:creationId xmlns:a16="http://schemas.microsoft.com/office/drawing/2014/main" xmlns="" id="{558187BD-0318-47DD-94FB-FADD19637B30}"/>
+                <a16:creationId xmlns:a16="http://schemas.microsoft.com/office/drawing/2014/main" id="{558187BD-0318-47DD-94FB-FADD19637B30}"/>
               </a:ext>
             </a:extLst>
           </p:cNvPr>
@@ -381,7 +397,7 @@
           <p:cNvPr id="3" name="세로 텍스트 개체 틀 2">
             <a:extLst>
               <a:ext uri="{FF2B5EF4-FFF2-40B4-BE49-F238E27FC236}">
-                <a16:creationId xmlns:a16="http://schemas.microsoft.com/office/drawing/2014/main" xmlns="" id="{269A23DC-6CF7-4020-A113-C996DC864626}"/>
+                <a16:creationId xmlns:a16="http://schemas.microsoft.com/office/drawing/2014/main" id="{269A23DC-6CF7-4020-A113-C996DC864626}"/>
               </a:ext>
             </a:extLst>
           </p:cNvPr>
@@ -438,7 +454,7 @@
           <p:cNvPr id="4" name="날짜 개체 틀 3">
             <a:extLst>
               <a:ext uri="{FF2B5EF4-FFF2-40B4-BE49-F238E27FC236}">
-                <a16:creationId xmlns:a16="http://schemas.microsoft.com/office/drawing/2014/main" xmlns="" id="{86E04927-3D25-4439-B04E-8D822EC40890}"/>
+                <a16:creationId xmlns:a16="http://schemas.microsoft.com/office/drawing/2014/main" id="{86E04927-3D25-4439-B04E-8D822EC40890}"/>
               </a:ext>
             </a:extLst>
           </p:cNvPr>
@@ -467,7 +483,7 @@
           <p:cNvPr id="5" name="바닥글 개체 틀 4">
             <a:extLst>
               <a:ext uri="{FF2B5EF4-FFF2-40B4-BE49-F238E27FC236}">
-                <a16:creationId xmlns:a16="http://schemas.microsoft.com/office/drawing/2014/main" xmlns="" id="{94A6ED4C-A4DC-479D-879D-213F9690A03A}"/>
+                <a16:creationId xmlns:a16="http://schemas.microsoft.com/office/drawing/2014/main" id="{94A6ED4C-A4DC-479D-879D-213F9690A03A}"/>
               </a:ext>
             </a:extLst>
           </p:cNvPr>
@@ -492,7 +508,7 @@
           <p:cNvPr id="6" name="슬라이드 번호 개체 틀 5">
             <a:extLst>
               <a:ext uri="{FF2B5EF4-FFF2-40B4-BE49-F238E27FC236}">
-                <a16:creationId xmlns:a16="http://schemas.microsoft.com/office/drawing/2014/main" xmlns="" id="{4D6C3F0D-FA25-4526-9C79-B3C80FFA9A24}"/>
+                <a16:creationId xmlns:a16="http://schemas.microsoft.com/office/drawing/2014/main" id="{4D6C3F0D-FA25-4526-9C79-B3C80FFA9A24}"/>
               </a:ext>
             </a:extLst>
           </p:cNvPr>
@@ -551,7 +567,7 @@
           <p:cNvPr id="2" name="세로 제목 1">
             <a:extLst>
               <a:ext uri="{FF2B5EF4-FFF2-40B4-BE49-F238E27FC236}">
-                <a16:creationId xmlns:a16="http://schemas.microsoft.com/office/drawing/2014/main" xmlns="" id="{2D00EC85-3034-4091-AB2E-5AA52352907A}"/>
+                <a16:creationId xmlns:a16="http://schemas.microsoft.com/office/drawing/2014/main" id="{2D00EC85-3034-4091-AB2E-5AA52352907A}"/>
               </a:ext>
             </a:extLst>
           </p:cNvPr>
@@ -584,7 +600,7 @@
           <p:cNvPr id="3" name="세로 텍스트 개체 틀 2">
             <a:extLst>
               <a:ext uri="{FF2B5EF4-FFF2-40B4-BE49-F238E27FC236}">
-                <a16:creationId xmlns:a16="http://schemas.microsoft.com/office/drawing/2014/main" xmlns="" id="{E4920E42-9BE7-4747-89BF-C9FA2A66D353}"/>
+                <a16:creationId xmlns:a16="http://schemas.microsoft.com/office/drawing/2014/main" id="{E4920E42-9BE7-4747-89BF-C9FA2A66D353}"/>
               </a:ext>
             </a:extLst>
           </p:cNvPr>
@@ -646,7 +662,7 @@
           <p:cNvPr id="4" name="날짜 개체 틀 3">
             <a:extLst>
               <a:ext uri="{FF2B5EF4-FFF2-40B4-BE49-F238E27FC236}">
-                <a16:creationId xmlns:a16="http://schemas.microsoft.com/office/drawing/2014/main" xmlns="" id="{408B8C9E-141B-4AD9-8B26-54F0762CAAE8}"/>
+                <a16:creationId xmlns:a16="http://schemas.microsoft.com/office/drawing/2014/main" id="{408B8C9E-141B-4AD9-8B26-54F0762CAAE8}"/>
               </a:ext>
             </a:extLst>
           </p:cNvPr>
@@ -675,7 +691,7 @@
           <p:cNvPr id="5" name="바닥글 개체 틀 4">
             <a:extLst>
               <a:ext uri="{FF2B5EF4-FFF2-40B4-BE49-F238E27FC236}">
-                <a16:creationId xmlns:a16="http://schemas.microsoft.com/office/drawing/2014/main" xmlns="" id="{2EB33289-EDE8-456A-84DC-987AF20FB670}"/>
+                <a16:creationId xmlns:a16="http://schemas.microsoft.com/office/drawing/2014/main" id="{2EB33289-EDE8-456A-84DC-987AF20FB670}"/>
               </a:ext>
             </a:extLst>
           </p:cNvPr>
@@ -700,7 +716,7 @@
           <p:cNvPr id="6" name="슬라이드 번호 개체 틀 5">
             <a:extLst>
               <a:ext uri="{FF2B5EF4-FFF2-40B4-BE49-F238E27FC236}">
-                <a16:creationId xmlns:a16="http://schemas.microsoft.com/office/drawing/2014/main" xmlns="" id="{EE3A6947-F90B-429E-9B40-307BB2945CB1}"/>
+                <a16:creationId xmlns:a16="http://schemas.microsoft.com/office/drawing/2014/main" id="{EE3A6947-F90B-429E-9B40-307BB2945CB1}"/>
               </a:ext>
             </a:extLst>
           </p:cNvPr>
@@ -759,7 +775,7 @@
           <p:cNvPr id="2" name="제목 1">
             <a:extLst>
               <a:ext uri="{FF2B5EF4-FFF2-40B4-BE49-F238E27FC236}">
-                <a16:creationId xmlns:a16="http://schemas.microsoft.com/office/drawing/2014/main" xmlns="" id="{F167E5DB-671D-4694-AF9C-B6B31DC1F186}"/>
+                <a16:creationId xmlns:a16="http://schemas.microsoft.com/office/drawing/2014/main" id="{F167E5DB-671D-4694-AF9C-B6B31DC1F186}"/>
               </a:ext>
             </a:extLst>
           </p:cNvPr>
@@ -787,7 +803,7 @@
           <p:cNvPr id="3" name="내용 개체 틀 2">
             <a:extLst>
               <a:ext uri="{FF2B5EF4-FFF2-40B4-BE49-F238E27FC236}">
-                <a16:creationId xmlns:a16="http://schemas.microsoft.com/office/drawing/2014/main" xmlns="" id="{103F3F8C-A249-4823-A2B4-1C1D96934C91}"/>
+                <a16:creationId xmlns:a16="http://schemas.microsoft.com/office/drawing/2014/main" id="{103F3F8C-A249-4823-A2B4-1C1D96934C91}"/>
               </a:ext>
             </a:extLst>
           </p:cNvPr>
@@ -844,7 +860,7 @@
           <p:cNvPr id="4" name="날짜 개체 틀 3">
             <a:extLst>
               <a:ext uri="{FF2B5EF4-FFF2-40B4-BE49-F238E27FC236}">
-                <a16:creationId xmlns:a16="http://schemas.microsoft.com/office/drawing/2014/main" xmlns="" id="{E07C17F3-1D11-4743-AFDF-9BCA4478115E}"/>
+                <a16:creationId xmlns:a16="http://schemas.microsoft.com/office/drawing/2014/main" id="{E07C17F3-1D11-4743-AFDF-9BCA4478115E}"/>
               </a:ext>
             </a:extLst>
           </p:cNvPr>
@@ -873,7 +889,7 @@
           <p:cNvPr id="5" name="바닥글 개체 틀 4">
             <a:extLst>
               <a:ext uri="{FF2B5EF4-FFF2-40B4-BE49-F238E27FC236}">
-                <a16:creationId xmlns:a16="http://schemas.microsoft.com/office/drawing/2014/main" xmlns="" id="{E8A03F81-E3FA-46E2-8E02-0A7CB983518A}"/>
+                <a16:creationId xmlns:a16="http://schemas.microsoft.com/office/drawing/2014/main" id="{E8A03F81-E3FA-46E2-8E02-0A7CB983518A}"/>
               </a:ext>
             </a:extLst>
           </p:cNvPr>
@@ -898,7 +914,7 @@
           <p:cNvPr id="6" name="슬라이드 번호 개체 틀 5">
             <a:extLst>
               <a:ext uri="{FF2B5EF4-FFF2-40B4-BE49-F238E27FC236}">
-                <a16:creationId xmlns:a16="http://schemas.microsoft.com/office/drawing/2014/main" xmlns="" id="{BC330F15-591A-4FB5-B7A0-3F1ED2F5410C}"/>
+                <a16:creationId xmlns:a16="http://schemas.microsoft.com/office/drawing/2014/main" id="{BC330F15-591A-4FB5-B7A0-3F1ED2F5410C}"/>
               </a:ext>
             </a:extLst>
           </p:cNvPr>
@@ -957,7 +973,7 @@
           <p:cNvPr id="2" name="제목 1">
             <a:extLst>
               <a:ext uri="{FF2B5EF4-FFF2-40B4-BE49-F238E27FC236}">
-                <a16:creationId xmlns:a16="http://schemas.microsoft.com/office/drawing/2014/main" xmlns="" id="{C220DB9E-72FC-4EF3-B0B4-E993D2706380}"/>
+                <a16:creationId xmlns:a16="http://schemas.microsoft.com/office/drawing/2014/main" id="{C220DB9E-72FC-4EF3-B0B4-E993D2706380}"/>
               </a:ext>
             </a:extLst>
           </p:cNvPr>
@@ -994,7 +1010,7 @@
           <p:cNvPr id="3" name="텍스트 개체 틀 2">
             <a:extLst>
               <a:ext uri="{FF2B5EF4-FFF2-40B4-BE49-F238E27FC236}">
-                <a16:creationId xmlns:a16="http://schemas.microsoft.com/office/drawing/2014/main" xmlns="" id="{1A2582E2-685D-4D99-98EC-8D7AF4BE21A9}"/>
+                <a16:creationId xmlns:a16="http://schemas.microsoft.com/office/drawing/2014/main" id="{1A2582E2-685D-4D99-98EC-8D7AF4BE21A9}"/>
               </a:ext>
             </a:extLst>
           </p:cNvPr>
@@ -1119,7 +1135,7 @@
           <p:cNvPr id="4" name="날짜 개체 틀 3">
             <a:extLst>
               <a:ext uri="{FF2B5EF4-FFF2-40B4-BE49-F238E27FC236}">
-                <a16:creationId xmlns:a16="http://schemas.microsoft.com/office/drawing/2014/main" xmlns="" id="{79409952-5D92-47BA-92A3-7CCBF78BD5C8}"/>
+                <a16:creationId xmlns:a16="http://schemas.microsoft.com/office/drawing/2014/main" id="{79409952-5D92-47BA-92A3-7CCBF78BD5C8}"/>
               </a:ext>
             </a:extLst>
           </p:cNvPr>
@@ -1148,7 +1164,7 @@
           <p:cNvPr id="5" name="바닥글 개체 틀 4">
             <a:extLst>
               <a:ext uri="{FF2B5EF4-FFF2-40B4-BE49-F238E27FC236}">
-                <a16:creationId xmlns:a16="http://schemas.microsoft.com/office/drawing/2014/main" xmlns="" id="{0FAFB25A-F583-4BE2-BA44-0ED5B4F1B5E1}"/>
+                <a16:creationId xmlns:a16="http://schemas.microsoft.com/office/drawing/2014/main" id="{0FAFB25A-F583-4BE2-BA44-0ED5B4F1B5E1}"/>
               </a:ext>
             </a:extLst>
           </p:cNvPr>
@@ -1173,7 +1189,7 @@
           <p:cNvPr id="6" name="슬라이드 번호 개체 틀 5">
             <a:extLst>
               <a:ext uri="{FF2B5EF4-FFF2-40B4-BE49-F238E27FC236}">
-                <a16:creationId xmlns:a16="http://schemas.microsoft.com/office/drawing/2014/main" xmlns="" id="{ABE3127C-F4F8-4A46-A157-871D031EE592}"/>
+                <a16:creationId xmlns:a16="http://schemas.microsoft.com/office/drawing/2014/main" id="{ABE3127C-F4F8-4A46-A157-871D031EE592}"/>
               </a:ext>
             </a:extLst>
           </p:cNvPr>
@@ -1232,7 +1248,7 @@
           <p:cNvPr id="2" name="제목 1">
             <a:extLst>
               <a:ext uri="{FF2B5EF4-FFF2-40B4-BE49-F238E27FC236}">
-                <a16:creationId xmlns:a16="http://schemas.microsoft.com/office/drawing/2014/main" xmlns="" id="{F1A32E1B-2670-4843-A3BE-734310AAAA60}"/>
+                <a16:creationId xmlns:a16="http://schemas.microsoft.com/office/drawing/2014/main" id="{F1A32E1B-2670-4843-A3BE-734310AAAA60}"/>
               </a:ext>
             </a:extLst>
           </p:cNvPr>
@@ -1260,7 +1276,7 @@
           <p:cNvPr id="3" name="내용 개체 틀 2">
             <a:extLst>
               <a:ext uri="{FF2B5EF4-FFF2-40B4-BE49-F238E27FC236}">
-                <a16:creationId xmlns:a16="http://schemas.microsoft.com/office/drawing/2014/main" xmlns="" id="{20C122E1-F74D-4CC0-975C-FD0CC9F8155A}"/>
+                <a16:creationId xmlns:a16="http://schemas.microsoft.com/office/drawing/2014/main" id="{20C122E1-F74D-4CC0-975C-FD0CC9F8155A}"/>
               </a:ext>
             </a:extLst>
           </p:cNvPr>
@@ -1322,7 +1338,7 @@
           <p:cNvPr id="4" name="내용 개체 틀 3">
             <a:extLst>
               <a:ext uri="{FF2B5EF4-FFF2-40B4-BE49-F238E27FC236}">
-                <a16:creationId xmlns:a16="http://schemas.microsoft.com/office/drawing/2014/main" xmlns="" id="{739080CA-6651-4D42-97F3-31564D763D39}"/>
+                <a16:creationId xmlns:a16="http://schemas.microsoft.com/office/drawing/2014/main" id="{739080CA-6651-4D42-97F3-31564D763D39}"/>
               </a:ext>
             </a:extLst>
           </p:cNvPr>
@@ -1384,7 +1400,7 @@
           <p:cNvPr id="5" name="날짜 개체 틀 4">
             <a:extLst>
               <a:ext uri="{FF2B5EF4-FFF2-40B4-BE49-F238E27FC236}">
-                <a16:creationId xmlns:a16="http://schemas.microsoft.com/office/drawing/2014/main" xmlns="" id="{147348D0-676C-4F8D-BAC7-B3CF171A3B68}"/>
+                <a16:creationId xmlns:a16="http://schemas.microsoft.com/office/drawing/2014/main" id="{147348D0-676C-4F8D-BAC7-B3CF171A3B68}"/>
               </a:ext>
             </a:extLst>
           </p:cNvPr>
@@ -1413,7 +1429,7 @@
           <p:cNvPr id="6" name="바닥글 개체 틀 5">
             <a:extLst>
               <a:ext uri="{FF2B5EF4-FFF2-40B4-BE49-F238E27FC236}">
-                <a16:creationId xmlns:a16="http://schemas.microsoft.com/office/drawing/2014/main" xmlns="" id="{EABB230D-5EA7-4CBD-AD34-86E0D3D8B12B}"/>
+                <a16:creationId xmlns:a16="http://schemas.microsoft.com/office/drawing/2014/main" id="{EABB230D-5EA7-4CBD-AD34-86E0D3D8B12B}"/>
               </a:ext>
             </a:extLst>
           </p:cNvPr>
@@ -1438,7 +1454,7 @@
           <p:cNvPr id="7" name="슬라이드 번호 개체 틀 6">
             <a:extLst>
               <a:ext uri="{FF2B5EF4-FFF2-40B4-BE49-F238E27FC236}">
-                <a16:creationId xmlns:a16="http://schemas.microsoft.com/office/drawing/2014/main" xmlns="" id="{D9AFE55D-7CB0-43ED-8B23-20243B6D1A7C}"/>
+                <a16:creationId xmlns:a16="http://schemas.microsoft.com/office/drawing/2014/main" id="{D9AFE55D-7CB0-43ED-8B23-20243B6D1A7C}"/>
               </a:ext>
             </a:extLst>
           </p:cNvPr>
@@ -1497,7 +1513,7 @@
           <p:cNvPr id="2" name="제목 1">
             <a:extLst>
               <a:ext uri="{FF2B5EF4-FFF2-40B4-BE49-F238E27FC236}">
-                <a16:creationId xmlns:a16="http://schemas.microsoft.com/office/drawing/2014/main" xmlns="" id="{39522340-0826-494F-9536-203C55106365}"/>
+                <a16:creationId xmlns:a16="http://schemas.microsoft.com/office/drawing/2014/main" id="{39522340-0826-494F-9536-203C55106365}"/>
               </a:ext>
             </a:extLst>
           </p:cNvPr>
@@ -1530,7 +1546,7 @@
           <p:cNvPr id="3" name="텍스트 개체 틀 2">
             <a:extLst>
               <a:ext uri="{FF2B5EF4-FFF2-40B4-BE49-F238E27FC236}">
-                <a16:creationId xmlns:a16="http://schemas.microsoft.com/office/drawing/2014/main" xmlns="" id="{8503AD79-668C-45B2-869B-E7B371995371}"/>
+                <a16:creationId xmlns:a16="http://schemas.microsoft.com/office/drawing/2014/main" id="{8503AD79-668C-45B2-869B-E7B371995371}"/>
               </a:ext>
             </a:extLst>
           </p:cNvPr>
@@ -1601,7 +1617,7 @@
           <p:cNvPr id="4" name="내용 개체 틀 3">
             <a:extLst>
               <a:ext uri="{FF2B5EF4-FFF2-40B4-BE49-F238E27FC236}">
-                <a16:creationId xmlns:a16="http://schemas.microsoft.com/office/drawing/2014/main" xmlns="" id="{2AA43712-568F-4495-9A02-ADA8C734B672}"/>
+                <a16:creationId xmlns:a16="http://schemas.microsoft.com/office/drawing/2014/main" id="{2AA43712-568F-4495-9A02-ADA8C734B672}"/>
               </a:ext>
             </a:extLst>
           </p:cNvPr>
@@ -1663,7 +1679,7 @@
           <p:cNvPr id="5" name="텍스트 개체 틀 4">
             <a:extLst>
               <a:ext uri="{FF2B5EF4-FFF2-40B4-BE49-F238E27FC236}">
-                <a16:creationId xmlns:a16="http://schemas.microsoft.com/office/drawing/2014/main" xmlns="" id="{678D94DB-48FF-4F71-ACDE-82A68A424361}"/>
+                <a16:creationId xmlns:a16="http://schemas.microsoft.com/office/drawing/2014/main" id="{678D94DB-48FF-4F71-ACDE-82A68A424361}"/>
               </a:ext>
             </a:extLst>
           </p:cNvPr>
@@ -1734,7 +1750,7 @@
           <p:cNvPr id="6" name="내용 개체 틀 5">
             <a:extLst>
               <a:ext uri="{FF2B5EF4-FFF2-40B4-BE49-F238E27FC236}">
-                <a16:creationId xmlns:a16="http://schemas.microsoft.com/office/drawing/2014/main" xmlns="" id="{519EC0F1-D433-4904-8F2C-54233DBF8593}"/>
+                <a16:creationId xmlns:a16="http://schemas.microsoft.com/office/drawing/2014/main" id="{519EC0F1-D433-4904-8F2C-54233DBF8593}"/>
               </a:ext>
             </a:extLst>
           </p:cNvPr>
@@ -1796,7 +1812,7 @@
           <p:cNvPr id="7" name="날짜 개체 틀 6">
             <a:extLst>
               <a:ext uri="{FF2B5EF4-FFF2-40B4-BE49-F238E27FC236}">
-                <a16:creationId xmlns:a16="http://schemas.microsoft.com/office/drawing/2014/main" xmlns="" id="{58207C40-DC4B-421E-A074-1365903E2DC9}"/>
+                <a16:creationId xmlns:a16="http://schemas.microsoft.com/office/drawing/2014/main" id="{58207C40-DC4B-421E-A074-1365903E2DC9}"/>
               </a:ext>
             </a:extLst>
           </p:cNvPr>
@@ -1825,7 +1841,7 @@
           <p:cNvPr id="8" name="바닥글 개체 틀 7">
             <a:extLst>
               <a:ext uri="{FF2B5EF4-FFF2-40B4-BE49-F238E27FC236}">
-                <a16:creationId xmlns:a16="http://schemas.microsoft.com/office/drawing/2014/main" xmlns="" id="{843B6B8D-FC52-484B-A73C-253D0D1EFE26}"/>
+                <a16:creationId xmlns:a16="http://schemas.microsoft.com/office/drawing/2014/main" id="{843B6B8D-FC52-484B-A73C-253D0D1EFE26}"/>
               </a:ext>
             </a:extLst>
           </p:cNvPr>
@@ -1850,7 +1866,7 @@
           <p:cNvPr id="9" name="슬라이드 번호 개체 틀 8">
             <a:extLst>
               <a:ext uri="{FF2B5EF4-FFF2-40B4-BE49-F238E27FC236}">
-                <a16:creationId xmlns:a16="http://schemas.microsoft.com/office/drawing/2014/main" xmlns="" id="{DDDC4B86-FB80-47E3-B60B-2A529181FBB3}"/>
+                <a16:creationId xmlns:a16="http://schemas.microsoft.com/office/drawing/2014/main" id="{DDDC4B86-FB80-47E3-B60B-2A529181FBB3}"/>
               </a:ext>
             </a:extLst>
           </p:cNvPr>
@@ -1909,7 +1925,7 @@
           <p:cNvPr id="2" name="제목 1">
             <a:extLst>
               <a:ext uri="{FF2B5EF4-FFF2-40B4-BE49-F238E27FC236}">
-                <a16:creationId xmlns:a16="http://schemas.microsoft.com/office/drawing/2014/main" xmlns="" id="{6B1AB13D-A498-4787-B018-82777512B16A}"/>
+                <a16:creationId xmlns:a16="http://schemas.microsoft.com/office/drawing/2014/main" id="{6B1AB13D-A498-4787-B018-82777512B16A}"/>
               </a:ext>
             </a:extLst>
           </p:cNvPr>
@@ -1937,7 +1953,7 @@
           <p:cNvPr id="3" name="날짜 개체 틀 2">
             <a:extLst>
               <a:ext uri="{FF2B5EF4-FFF2-40B4-BE49-F238E27FC236}">
-                <a16:creationId xmlns:a16="http://schemas.microsoft.com/office/drawing/2014/main" xmlns="" id="{BFFC74DF-8C35-403D-B5DA-33554C0FCF77}"/>
+                <a16:creationId xmlns:a16="http://schemas.microsoft.com/office/drawing/2014/main" id="{BFFC74DF-8C35-403D-B5DA-33554C0FCF77}"/>
               </a:ext>
             </a:extLst>
           </p:cNvPr>
@@ -1966,7 +1982,7 @@
           <p:cNvPr id="4" name="바닥글 개체 틀 3">
             <a:extLst>
               <a:ext uri="{FF2B5EF4-FFF2-40B4-BE49-F238E27FC236}">
-                <a16:creationId xmlns:a16="http://schemas.microsoft.com/office/drawing/2014/main" xmlns="" id="{E89AA6CC-04BB-42E1-8B50-0A50E9782A36}"/>
+                <a16:creationId xmlns:a16="http://schemas.microsoft.com/office/drawing/2014/main" id="{E89AA6CC-04BB-42E1-8B50-0A50E9782A36}"/>
               </a:ext>
             </a:extLst>
           </p:cNvPr>
@@ -1991,7 +2007,7 @@
           <p:cNvPr id="5" name="슬라이드 번호 개체 틀 4">
             <a:extLst>
               <a:ext uri="{FF2B5EF4-FFF2-40B4-BE49-F238E27FC236}">
-                <a16:creationId xmlns:a16="http://schemas.microsoft.com/office/drawing/2014/main" xmlns="" id="{AD8D8C03-5A1D-431A-A0CD-D7DA9D8E648D}"/>
+                <a16:creationId xmlns:a16="http://schemas.microsoft.com/office/drawing/2014/main" id="{AD8D8C03-5A1D-431A-A0CD-D7DA9D8E648D}"/>
               </a:ext>
             </a:extLst>
           </p:cNvPr>
@@ -2050,7 +2066,7 @@
           <p:cNvPr id="2" name="날짜 개체 틀 1">
             <a:extLst>
               <a:ext uri="{FF2B5EF4-FFF2-40B4-BE49-F238E27FC236}">
-                <a16:creationId xmlns:a16="http://schemas.microsoft.com/office/drawing/2014/main" xmlns="" id="{44D75249-4138-4BE5-B3FE-F9F0709E493B}"/>
+                <a16:creationId xmlns:a16="http://schemas.microsoft.com/office/drawing/2014/main" id="{44D75249-4138-4BE5-B3FE-F9F0709E493B}"/>
               </a:ext>
             </a:extLst>
           </p:cNvPr>
@@ -2079,7 +2095,7 @@
           <p:cNvPr id="3" name="바닥글 개체 틀 2">
             <a:extLst>
               <a:ext uri="{FF2B5EF4-FFF2-40B4-BE49-F238E27FC236}">
-                <a16:creationId xmlns:a16="http://schemas.microsoft.com/office/drawing/2014/main" xmlns="" id="{8A66DC6C-F6D4-4D65-A8EB-2C558B151342}"/>
+                <a16:creationId xmlns:a16="http://schemas.microsoft.com/office/drawing/2014/main" id="{8A66DC6C-F6D4-4D65-A8EB-2C558B151342}"/>
               </a:ext>
             </a:extLst>
           </p:cNvPr>
@@ -2104,7 +2120,7 @@
           <p:cNvPr id="4" name="슬라이드 번호 개체 틀 3">
             <a:extLst>
               <a:ext uri="{FF2B5EF4-FFF2-40B4-BE49-F238E27FC236}">
-                <a16:creationId xmlns:a16="http://schemas.microsoft.com/office/drawing/2014/main" xmlns="" id="{16595AEC-F007-472D-ADAF-7344CEA789A8}"/>
+                <a16:creationId xmlns:a16="http://schemas.microsoft.com/office/drawing/2014/main" id="{16595AEC-F007-472D-ADAF-7344CEA789A8}"/>
               </a:ext>
             </a:extLst>
           </p:cNvPr>
@@ -2163,7 +2179,7 @@
           <p:cNvPr id="2" name="제목 1">
             <a:extLst>
               <a:ext uri="{FF2B5EF4-FFF2-40B4-BE49-F238E27FC236}">
-                <a16:creationId xmlns:a16="http://schemas.microsoft.com/office/drawing/2014/main" xmlns="" id="{AF4E06CC-E2C2-4AE9-BC7C-3FA2F7210C2D}"/>
+                <a16:creationId xmlns:a16="http://schemas.microsoft.com/office/drawing/2014/main" id="{AF4E06CC-E2C2-4AE9-BC7C-3FA2F7210C2D}"/>
               </a:ext>
             </a:extLst>
           </p:cNvPr>
@@ -2200,7 +2216,7 @@
           <p:cNvPr id="3" name="내용 개체 틀 2">
             <a:extLst>
               <a:ext uri="{FF2B5EF4-FFF2-40B4-BE49-F238E27FC236}">
-                <a16:creationId xmlns:a16="http://schemas.microsoft.com/office/drawing/2014/main" xmlns="" id="{4379EA58-49B3-4D8C-80FC-8238E147D018}"/>
+                <a16:creationId xmlns:a16="http://schemas.microsoft.com/office/drawing/2014/main" id="{4379EA58-49B3-4D8C-80FC-8238E147D018}"/>
               </a:ext>
             </a:extLst>
           </p:cNvPr>
@@ -2290,7 +2306,7 @@
           <p:cNvPr id="4" name="텍스트 개체 틀 3">
             <a:extLst>
               <a:ext uri="{FF2B5EF4-FFF2-40B4-BE49-F238E27FC236}">
-                <a16:creationId xmlns:a16="http://schemas.microsoft.com/office/drawing/2014/main" xmlns="" id="{BD799F42-E70E-437A-925B-E8546E9ABD2A}"/>
+                <a16:creationId xmlns:a16="http://schemas.microsoft.com/office/drawing/2014/main" id="{BD799F42-E70E-437A-925B-E8546E9ABD2A}"/>
               </a:ext>
             </a:extLst>
           </p:cNvPr>
@@ -2361,7 +2377,7 @@
           <p:cNvPr id="5" name="날짜 개체 틀 4">
             <a:extLst>
               <a:ext uri="{FF2B5EF4-FFF2-40B4-BE49-F238E27FC236}">
-                <a16:creationId xmlns:a16="http://schemas.microsoft.com/office/drawing/2014/main" xmlns="" id="{60B076CD-01CD-43C4-8D68-112C3CA23431}"/>
+                <a16:creationId xmlns:a16="http://schemas.microsoft.com/office/drawing/2014/main" id="{60B076CD-01CD-43C4-8D68-112C3CA23431}"/>
               </a:ext>
             </a:extLst>
           </p:cNvPr>
@@ -2390,7 +2406,7 @@
           <p:cNvPr id="6" name="바닥글 개체 틀 5">
             <a:extLst>
               <a:ext uri="{FF2B5EF4-FFF2-40B4-BE49-F238E27FC236}">
-                <a16:creationId xmlns:a16="http://schemas.microsoft.com/office/drawing/2014/main" xmlns="" id="{0CE1B2FA-3FC7-43E9-A5C3-796DCD8B5113}"/>
+                <a16:creationId xmlns:a16="http://schemas.microsoft.com/office/drawing/2014/main" id="{0CE1B2FA-3FC7-43E9-A5C3-796DCD8B5113}"/>
               </a:ext>
             </a:extLst>
           </p:cNvPr>
@@ -2415,7 +2431,7 @@
           <p:cNvPr id="7" name="슬라이드 번호 개체 틀 6">
             <a:extLst>
               <a:ext uri="{FF2B5EF4-FFF2-40B4-BE49-F238E27FC236}">
-                <a16:creationId xmlns:a16="http://schemas.microsoft.com/office/drawing/2014/main" xmlns="" id="{2D079432-CB47-46CA-ACC4-1CC3FC7A4A6F}"/>
+                <a16:creationId xmlns:a16="http://schemas.microsoft.com/office/drawing/2014/main" id="{2D079432-CB47-46CA-ACC4-1CC3FC7A4A6F}"/>
               </a:ext>
             </a:extLst>
           </p:cNvPr>
@@ -2474,7 +2490,7 @@
           <p:cNvPr id="2" name="제목 1">
             <a:extLst>
               <a:ext uri="{FF2B5EF4-FFF2-40B4-BE49-F238E27FC236}">
-                <a16:creationId xmlns:a16="http://schemas.microsoft.com/office/drawing/2014/main" xmlns="" id="{9747F758-14E4-45BE-8E4F-FED2D3D51C21}"/>
+                <a16:creationId xmlns:a16="http://schemas.microsoft.com/office/drawing/2014/main" id="{9747F758-14E4-45BE-8E4F-FED2D3D51C21}"/>
               </a:ext>
             </a:extLst>
           </p:cNvPr>
@@ -2511,7 +2527,7 @@
           <p:cNvPr id="3" name="그림 개체 틀 2">
             <a:extLst>
               <a:ext uri="{FF2B5EF4-FFF2-40B4-BE49-F238E27FC236}">
-                <a16:creationId xmlns:a16="http://schemas.microsoft.com/office/drawing/2014/main" xmlns="" id="{A3E8CB1C-E086-4567-958A-184F4FA19BD0}"/>
+                <a16:creationId xmlns:a16="http://schemas.microsoft.com/office/drawing/2014/main" id="{A3E8CB1C-E086-4567-958A-184F4FA19BD0}"/>
               </a:ext>
             </a:extLst>
           </p:cNvPr>
@@ -2578,7 +2594,7 @@
           <p:cNvPr id="4" name="텍스트 개체 틀 3">
             <a:extLst>
               <a:ext uri="{FF2B5EF4-FFF2-40B4-BE49-F238E27FC236}">
-                <a16:creationId xmlns:a16="http://schemas.microsoft.com/office/drawing/2014/main" xmlns="" id="{4AE224DE-51B2-423A-B5DB-E81A5B94D771}"/>
+                <a16:creationId xmlns:a16="http://schemas.microsoft.com/office/drawing/2014/main" id="{4AE224DE-51B2-423A-B5DB-E81A5B94D771}"/>
               </a:ext>
             </a:extLst>
           </p:cNvPr>
@@ -2649,7 +2665,7 @@
           <p:cNvPr id="5" name="날짜 개체 틀 4">
             <a:extLst>
               <a:ext uri="{FF2B5EF4-FFF2-40B4-BE49-F238E27FC236}">
-                <a16:creationId xmlns:a16="http://schemas.microsoft.com/office/drawing/2014/main" xmlns="" id="{76426134-7421-48D8-BB0A-66E5B96EFA1E}"/>
+                <a16:creationId xmlns:a16="http://schemas.microsoft.com/office/drawing/2014/main" id="{76426134-7421-48D8-BB0A-66E5B96EFA1E}"/>
               </a:ext>
             </a:extLst>
           </p:cNvPr>
@@ -2678,7 +2694,7 @@
           <p:cNvPr id="6" name="바닥글 개체 틀 5">
             <a:extLst>
               <a:ext uri="{FF2B5EF4-FFF2-40B4-BE49-F238E27FC236}">
-                <a16:creationId xmlns:a16="http://schemas.microsoft.com/office/drawing/2014/main" xmlns="" id="{2D3D8F48-404E-4382-8BEF-4079E8C9899F}"/>
+                <a16:creationId xmlns:a16="http://schemas.microsoft.com/office/drawing/2014/main" id="{2D3D8F48-404E-4382-8BEF-4079E8C9899F}"/>
               </a:ext>
             </a:extLst>
           </p:cNvPr>
@@ -2703,7 +2719,7 @@
           <p:cNvPr id="7" name="슬라이드 번호 개체 틀 6">
             <a:extLst>
               <a:ext uri="{FF2B5EF4-FFF2-40B4-BE49-F238E27FC236}">
-                <a16:creationId xmlns:a16="http://schemas.microsoft.com/office/drawing/2014/main" xmlns="" id="{BD47ED3D-1A3B-493B-B7B6-B3360D4CFEFD}"/>
+                <a16:creationId xmlns:a16="http://schemas.microsoft.com/office/drawing/2014/main" id="{BD47ED3D-1A3B-493B-B7B6-B3360D4CFEFD}"/>
               </a:ext>
             </a:extLst>
           </p:cNvPr>
@@ -2767,7 +2783,7 @@
           <p:cNvPr id="2" name="제목 개체 틀 1">
             <a:extLst>
               <a:ext uri="{FF2B5EF4-FFF2-40B4-BE49-F238E27FC236}">
-                <a16:creationId xmlns:a16="http://schemas.microsoft.com/office/drawing/2014/main" xmlns="" id="{A3BE1C59-8E60-4E23-A7AA-EE159BA0B663}"/>
+                <a16:creationId xmlns:a16="http://schemas.microsoft.com/office/drawing/2014/main" id="{A3BE1C59-8E60-4E23-A7AA-EE159BA0B663}"/>
               </a:ext>
             </a:extLst>
           </p:cNvPr>
@@ -2805,7 +2821,7 @@
           <p:cNvPr id="3" name="텍스트 개체 틀 2">
             <a:extLst>
               <a:ext uri="{FF2B5EF4-FFF2-40B4-BE49-F238E27FC236}">
-                <a16:creationId xmlns:a16="http://schemas.microsoft.com/office/drawing/2014/main" xmlns="" id="{6CF74271-BD32-420E-B9BB-176AADCD2882}"/>
+                <a16:creationId xmlns:a16="http://schemas.microsoft.com/office/drawing/2014/main" id="{6CF74271-BD32-420E-B9BB-176AADCD2882}"/>
               </a:ext>
             </a:extLst>
           </p:cNvPr>
@@ -2872,7 +2888,7 @@
           <p:cNvPr id="4" name="날짜 개체 틀 3">
             <a:extLst>
               <a:ext uri="{FF2B5EF4-FFF2-40B4-BE49-F238E27FC236}">
-                <a16:creationId xmlns:a16="http://schemas.microsoft.com/office/drawing/2014/main" xmlns="" id="{2C7E1502-AEE4-4701-B63B-BF1F1AE168BC}"/>
+                <a16:creationId xmlns:a16="http://schemas.microsoft.com/office/drawing/2014/main" id="{2C7E1502-AEE4-4701-B63B-BF1F1AE168BC}"/>
               </a:ext>
             </a:extLst>
           </p:cNvPr>
@@ -2919,7 +2935,7 @@
           <p:cNvPr id="5" name="바닥글 개체 틀 4">
             <a:extLst>
               <a:ext uri="{FF2B5EF4-FFF2-40B4-BE49-F238E27FC236}">
-                <a16:creationId xmlns:a16="http://schemas.microsoft.com/office/drawing/2014/main" xmlns="" id="{B04EE400-FB62-4169-AFD6-D79025F11E06}"/>
+                <a16:creationId xmlns:a16="http://schemas.microsoft.com/office/drawing/2014/main" id="{B04EE400-FB62-4169-AFD6-D79025F11E06}"/>
               </a:ext>
             </a:extLst>
           </p:cNvPr>
@@ -2962,7 +2978,7 @@
           <p:cNvPr id="6" name="슬라이드 번호 개체 틀 5">
             <a:extLst>
               <a:ext uri="{FF2B5EF4-FFF2-40B4-BE49-F238E27FC236}">
-                <a16:creationId xmlns:a16="http://schemas.microsoft.com/office/drawing/2014/main" xmlns="" id="{3BD7549A-B482-41A0-8A91-1F2E4AC15497}"/>
+                <a16:creationId xmlns:a16="http://schemas.microsoft.com/office/drawing/2014/main" id="{3BD7549A-B482-41A0-8A91-1F2E4AC15497}"/>
               </a:ext>
             </a:extLst>
           </p:cNvPr>
@@ -3348,58 +3364,53 @@
           <a:lstStyle/>
           <a:p>
             <a:r>
-              <a:rPr lang="ko-KR" altLang="en-US" dirty="0" smtClean="0"/>
+              <a:rPr lang="ko-KR" altLang="en-US" dirty="0"/>
               <a:t>문제점 </a:t>
             </a:r>
             <a:r>
               <a:rPr lang="en-US" altLang="ko-KR" dirty="0"/>
-              <a:t>-</a:t>
-            </a:r>
-            <a:r>
-              <a:rPr lang="en-US" altLang="ko-KR" dirty="0" smtClean="0"/>
+              <a:t>- </a:t>
+            </a:r>
+            <a:r>
+              <a:rPr lang="ko-KR" altLang="en-US" dirty="0" err="1"/>
+              <a:t>안드로이드</a:t>
+            </a:r>
+            <a:r>
+              <a:rPr lang="ko-KR" altLang="en-US" dirty="0"/>
               <a:t> </a:t>
             </a:r>
             <a:r>
-              <a:rPr lang="ko-KR" altLang="en-US" dirty="0" err="1" smtClean="0"/>
-              <a:t>안드로이드</a:t>
-            </a:r>
-            <a:r>
-              <a:rPr lang="ko-KR" altLang="en-US" dirty="0" smtClean="0"/>
+              <a:rPr lang="en-US" altLang="ko-KR" dirty="0"/>
+              <a:t>9.0 </a:t>
+            </a:r>
+            <a:r>
+              <a:rPr lang="ko-KR" altLang="en-US" dirty="0"/>
+              <a:t>파이 이후 </a:t>
+            </a:r>
+            <a:r>
+              <a:rPr lang="en-US" altLang="ko-KR" dirty="0"/>
+              <a:t>https </a:t>
+            </a:r>
+            <a:r>
+              <a:rPr lang="ko-KR" altLang="en-US" dirty="0"/>
+              <a:t>사용 강제 </a:t>
+            </a:r>
+            <a:r>
+              <a:rPr lang="en-US" altLang="ko-KR" dirty="0"/>
+              <a:t>(http </a:t>
+            </a:r>
+            <a:r>
+              <a:rPr lang="ko-KR" altLang="en-US" dirty="0"/>
+              <a:t>사용 불가</a:t>
+            </a:r>
+            <a:r>
+              <a:rPr lang="en-US" altLang="ko-KR" dirty="0"/>
+              <a:t>)</a:t>
+            </a:r>
+            <a:r>
+              <a:rPr lang="ko-KR" altLang="en-US" dirty="0"/>
               <a:t> </a:t>
             </a:r>
-            <a:r>
-              <a:rPr lang="en-US" altLang="ko-KR" dirty="0" smtClean="0"/>
-              <a:t>9.0 </a:t>
-            </a:r>
-            <a:r>
-              <a:rPr lang="ko-KR" altLang="en-US" dirty="0" smtClean="0"/>
-              <a:t>파이 이후 </a:t>
-            </a:r>
-            <a:r>
-              <a:rPr lang="en-US" altLang="ko-KR" dirty="0" smtClean="0"/>
-              <a:t>https </a:t>
-            </a:r>
-            <a:r>
-              <a:rPr lang="ko-KR" altLang="en-US" dirty="0" smtClean="0"/>
-              <a:t>사용 강제 </a:t>
-            </a:r>
-            <a:r>
-              <a:rPr lang="en-US" altLang="ko-KR" dirty="0" smtClean="0"/>
-              <a:t>(http </a:t>
-            </a:r>
-            <a:r>
-              <a:rPr lang="ko-KR" altLang="en-US" dirty="0" smtClean="0"/>
-              <a:t>사용 불가</a:t>
-            </a:r>
-            <a:r>
-              <a:rPr lang="en-US" altLang="ko-KR" dirty="0" smtClean="0"/>
-              <a:t>)</a:t>
-            </a:r>
-            <a:r>
-              <a:rPr lang="ko-KR" altLang="en-US" dirty="0" smtClean="0"/>
-              <a:t> </a:t>
-            </a:r>
-            <a:endParaRPr lang="ko-KR" altLang="en-US" dirty="0"/>
           </a:p>
         </p:txBody>
       </p:sp>
@@ -3426,16 +3437,12 @@
           <a:lstStyle/>
           <a:p>
             <a:r>
-              <a:rPr lang="ko-KR" altLang="en-US" dirty="0" smtClean="0"/>
+              <a:rPr lang="ko-KR" altLang="en-US" dirty="0"/>
               <a:t>해결 방법 </a:t>
             </a:r>
             <a:r>
-              <a:rPr lang="en-US" altLang="ko-KR" dirty="0" smtClean="0"/>
-              <a:t>- </a:t>
-            </a:r>
-            <a:r>
               <a:rPr lang="en-US" altLang="ko-KR" dirty="0"/>
-              <a:t>Android </a:t>
+              <a:t>- Android </a:t>
             </a:r>
             <a:r>
               <a:rPr lang="en-US" altLang="ko-KR" dirty="0" err="1"/>
@@ -3464,16 +3471,12 @@
             <a:r>
               <a:rPr lang="ko-KR" altLang="en-US" dirty="0"/>
               <a:t>로 설정</a:t>
-            </a:r>
-            <a:r>
-              <a:rPr lang="ko-KR" altLang="en-US" dirty="0"/>
-              <a:t/>
             </a:r>
             <a:br>
               <a:rPr lang="ko-KR" altLang="en-US" dirty="0"/>
             </a:br>
             <a:r>
-              <a:rPr lang="en-US" altLang="ko-KR" dirty="0" smtClean="0"/>
+              <a:rPr lang="en-US" altLang="ko-KR" dirty="0"/>
               <a:t> </a:t>
             </a:r>
             <a:endParaRPr lang="ko-KR" altLang="en-US" dirty="0"/>
@@ -3588,6 +3591,111 @@
           </a:extLst>
         </p:spPr>
       </p:pic>
+      <p:grpSp>
+        <p:nvGrpSpPr>
+          <p:cNvPr id="8" name="그룹 7">
+            <a:extLst>
+              <a:ext uri="{FF2B5EF4-FFF2-40B4-BE49-F238E27FC236}">
+                <a16:creationId xmlns:a16="http://schemas.microsoft.com/office/drawing/2014/main" id="{CDB0BE70-EB24-4A78-97C9-E4972EABE23E}"/>
+              </a:ext>
+            </a:extLst>
+          </p:cNvPr>
+          <p:cNvGrpSpPr/>
+          <p:nvPr/>
+        </p:nvGrpSpPr>
+        <p:grpSpPr>
+          <a:xfrm>
+            <a:off x="0" y="1811704"/>
+            <a:ext cx="12192000" cy="838252"/>
+            <a:chOff x="0" y="1811704"/>
+            <a:chExt cx="12192000" cy="838252"/>
+          </a:xfrm>
+        </p:grpSpPr>
+        <p:pic>
+          <p:nvPicPr>
+            <p:cNvPr id="3" name="그림 2">
+              <a:extLst>
+                <a:ext uri="{FF2B5EF4-FFF2-40B4-BE49-F238E27FC236}">
+                  <a16:creationId xmlns:a16="http://schemas.microsoft.com/office/drawing/2014/main" id="{FB7E80CC-F062-4FF7-B1DA-9A77E1FDC0C5}"/>
+                </a:ext>
+              </a:extLst>
+            </p:cNvPr>
+            <p:cNvPicPr>
+              <a:picLocks noChangeAspect="1"/>
+            </p:cNvPicPr>
+            <p:nvPr/>
+          </p:nvPicPr>
+          <p:blipFill>
+            <a:blip r:embed="rId4"/>
+            <a:stretch>
+              <a:fillRect/>
+            </a:stretch>
+          </p:blipFill>
+          <p:spPr>
+            <a:xfrm>
+              <a:off x="0" y="1811704"/>
+              <a:ext cx="12192000" cy="821837"/>
+            </a:xfrm>
+            <a:prstGeom prst="rect">
+              <a:avLst/>
+            </a:prstGeom>
+          </p:spPr>
+        </p:pic>
+        <p:sp>
+          <p:nvSpPr>
+            <p:cNvPr id="7" name="직사각형 6">
+              <a:extLst>
+                <a:ext uri="{FF2B5EF4-FFF2-40B4-BE49-F238E27FC236}">
+                  <a16:creationId xmlns:a16="http://schemas.microsoft.com/office/drawing/2014/main" id="{1C2CACFC-8772-4456-88C7-EFFD65867C95}"/>
+                </a:ext>
+              </a:extLst>
+            </p:cNvPr>
+            <p:cNvSpPr/>
+            <p:nvPr/>
+          </p:nvSpPr>
+          <p:spPr>
+            <a:xfrm>
+              <a:off x="6525087" y="2604237"/>
+              <a:ext cx="5666913" cy="45719"/>
+            </a:xfrm>
+            <a:prstGeom prst="rect">
+              <a:avLst/>
+            </a:prstGeom>
+            <a:solidFill>
+              <a:srgbClr val="FF0000"/>
+            </a:solidFill>
+            <a:ln>
+              <a:solidFill>
+                <a:srgbClr val="FF0000"/>
+              </a:solidFill>
+            </a:ln>
+          </p:spPr>
+          <p:style>
+            <a:lnRef idx="2">
+              <a:schemeClr val="accent1">
+                <a:shade val="50000"/>
+              </a:schemeClr>
+            </a:lnRef>
+            <a:fillRef idx="1">
+              <a:schemeClr val="accent1"/>
+            </a:fillRef>
+            <a:effectRef idx="0">
+              <a:schemeClr val="accent1"/>
+            </a:effectRef>
+            <a:fontRef idx="minor">
+              <a:schemeClr val="lt1"/>
+            </a:fontRef>
+          </p:style>
+          <p:txBody>
+            <a:bodyPr rtlCol="0" anchor="ctr"/>
+            <a:lstStyle/>
+            <a:p>
+              <a:pPr algn="ctr"/>
+              <a:endParaRPr lang="ko-KR" altLang="en-US"/>
+            </a:p>
+          </p:txBody>
+        </p:sp>
+      </p:grpSp>
     </p:spTree>
     <p:extLst>
       <p:ext uri="{BB962C8B-B14F-4D97-AF65-F5344CB8AC3E}">
@@ -4215,7 +4323,7 @@
   <a:extraClrSchemeLst/>
   <a:extLst>
     <a:ext uri="{05A4C25C-085E-4340-85A3-A5531E510DB2}">
-      <thm15:themeFamily xmlns:thm15="http://schemas.microsoft.com/office/thememl/2012/main" xmlns="" name="Office Theme" id="{62F939B6-93AF-4DB8-9C6B-D6C7DFDC589F}" vid="{4A3C46E8-61CC-4603-A589-7422A47A8E4A}"/>
+      <thm15:themeFamily xmlns:thm15="http://schemas.microsoft.com/office/thememl/2012/main" name="Office Theme" id="{62F939B6-93AF-4DB8-9C6B-D6C7DFDC589F}" vid="{4A3C46E8-61CC-4603-A589-7422A47A8E4A}"/>
     </a:ext>
   </a:extLst>
 </a:theme>
